--- a/cv/文可 - CS231n课程笔记 - Part1.pptx
+++ b/cv/文可 - CS231n课程笔记 - Part1.pptx
@@ -225,7 +225,7 @@
           <a:p>
             <a:fld id="{4BD482DC-A4C4-4311-85A0-8371C70265C3}" type="datetimeFigureOut">
               <a:rPr lang="zh-CN" altLang="en-US" smtClean="0"/>
-              <a:t>2018/6/12</a:t>
+              <a:t>2018/7/5</a:t>
             </a:fld>
             <a:endParaRPr lang="zh-CN" altLang="en-US"/>
           </a:p>
@@ -1888,8 +1888,8 @@
         </p:nvSpPr>
         <p:spPr/>
       </p:sp>
-      <mc:AlternateContent xmlns:mc="http://schemas.openxmlformats.org/markup-compatibility/2006">
-        <mc:Choice xmlns:a14="http://schemas.microsoft.com/office/drawing/2010/main" Requires="a14">
+      <mc:AlternateContent xmlns:mc="http://schemas.openxmlformats.org/markup-compatibility/2006" xmlns:a14="http://schemas.microsoft.com/office/drawing/2010/main">
+        <mc:Choice Requires="a14">
           <p:sp>
             <p:nvSpPr>
               <p:cNvPr id="3" name="备注占位符 2"/>
@@ -2380,7 +2380,7 @@
             </p:txBody>
           </p:sp>
         </mc:Choice>
-        <mc:Fallback>
+        <mc:Fallback xmlns="">
           <p:sp>
             <p:nvSpPr>
               <p:cNvPr id="3" name="备注占位符 2"/>
@@ -3473,7 +3473,7 @@
           <a:p>
             <a:fld id="{438684E3-1341-4833-A6A3-FE0962318ED0}" type="datetimeFigureOut">
               <a:rPr lang="zh-CN" altLang="en-US" smtClean="0"/>
-              <a:t>2018/6/12</a:t>
+              <a:t>2018/7/5</a:t>
             </a:fld>
             <a:endParaRPr lang="zh-CN" altLang="en-US"/>
           </a:p>
@@ -3810,7 +3810,7 @@
           <a:p>
             <a:fld id="{438684E3-1341-4833-A6A3-FE0962318ED0}" type="datetimeFigureOut">
               <a:rPr lang="zh-CN" altLang="en-US" smtClean="0"/>
-              <a:t>2018/6/12</a:t>
+              <a:t>2018/7/5</a:t>
             </a:fld>
             <a:endParaRPr lang="zh-CN" altLang="en-US"/>
           </a:p>
@@ -3990,7 +3990,7 @@
           <a:p>
             <a:fld id="{438684E3-1341-4833-A6A3-FE0962318ED0}" type="datetimeFigureOut">
               <a:rPr lang="zh-CN" altLang="en-US" smtClean="0"/>
-              <a:t>2018/6/12</a:t>
+              <a:t>2018/7/5</a:t>
             </a:fld>
             <a:endParaRPr lang="zh-CN" altLang="en-US"/>
           </a:p>
@@ -4160,7 +4160,7 @@
           <a:p>
             <a:fld id="{438684E3-1341-4833-A6A3-FE0962318ED0}" type="datetimeFigureOut">
               <a:rPr lang="zh-CN" altLang="en-US" smtClean="0"/>
-              <a:t>2018/6/12</a:t>
+              <a:t>2018/7/5</a:t>
             </a:fld>
             <a:endParaRPr lang="zh-CN" altLang="en-US"/>
           </a:p>
@@ -4444,7 +4444,7 @@
           <a:p>
             <a:fld id="{438684E3-1341-4833-A6A3-FE0962318ED0}" type="datetimeFigureOut">
               <a:rPr lang="zh-CN" altLang="en-US" smtClean="0"/>
-              <a:t>2018/6/12</a:t>
+              <a:t>2018/7/5</a:t>
             </a:fld>
             <a:endParaRPr lang="zh-CN" altLang="en-US"/>
           </a:p>
@@ -4901,7 +4901,7 @@
           <a:p>
             <a:fld id="{438684E3-1341-4833-A6A3-FE0962318ED0}" type="datetimeFigureOut">
               <a:rPr lang="zh-CN" altLang="en-US" smtClean="0"/>
-              <a:t>2018/6/12</a:t>
+              <a:t>2018/7/5</a:t>
             </a:fld>
             <a:endParaRPr lang="zh-CN" altLang="en-US"/>
           </a:p>
@@ -5378,7 +5378,7 @@
           <a:p>
             <a:fld id="{438684E3-1341-4833-A6A3-FE0962318ED0}" type="datetimeFigureOut">
               <a:rPr lang="zh-CN" altLang="en-US" smtClean="0"/>
-              <a:t>2018/6/12</a:t>
+              <a:t>2018/7/5</a:t>
             </a:fld>
             <a:endParaRPr lang="zh-CN" altLang="en-US"/>
           </a:p>
@@ -5496,7 +5496,7 @@
           <a:p>
             <a:fld id="{438684E3-1341-4833-A6A3-FE0962318ED0}" type="datetimeFigureOut">
               <a:rPr lang="zh-CN" altLang="en-US" smtClean="0"/>
-              <a:t>2018/6/12</a:t>
+              <a:t>2018/7/5</a:t>
             </a:fld>
             <a:endParaRPr lang="zh-CN" altLang="en-US"/>
           </a:p>
@@ -5591,7 +5591,7 @@
           <a:p>
             <a:fld id="{438684E3-1341-4833-A6A3-FE0962318ED0}" type="datetimeFigureOut">
               <a:rPr lang="zh-CN" altLang="en-US" smtClean="0"/>
-              <a:t>2018/6/12</a:t>
+              <a:t>2018/7/5</a:t>
             </a:fld>
             <a:endParaRPr lang="zh-CN" altLang="en-US"/>
           </a:p>
@@ -5939,7 +5939,7 @@
           <a:p>
             <a:fld id="{438684E3-1341-4833-A6A3-FE0962318ED0}" type="datetimeFigureOut">
               <a:rPr lang="zh-CN" altLang="en-US" smtClean="0"/>
-              <a:t>2018/6/12</a:t>
+              <a:t>2018/7/5</a:t>
             </a:fld>
             <a:endParaRPr lang="zh-CN" altLang="en-US"/>
           </a:p>
@@ -6367,7 +6367,7 @@
           <a:p>
             <a:fld id="{438684E3-1341-4833-A6A3-FE0962318ED0}" type="datetimeFigureOut">
               <a:rPr lang="zh-CN" altLang="en-US" smtClean="0"/>
-              <a:t>2018/6/12</a:t>
+              <a:t>2018/7/5</a:t>
             </a:fld>
             <a:endParaRPr lang="zh-CN" altLang="en-US"/>
           </a:p>
@@ -6683,7 +6683,7 @@
           <a:p>
             <a:fld id="{438684E3-1341-4833-A6A3-FE0962318ED0}" type="datetimeFigureOut">
               <a:rPr lang="zh-CN" altLang="en-US" smtClean="0"/>
-              <a:t>2018/6/12</a:t>
+              <a:t>2018/7/5</a:t>
             </a:fld>
             <a:endParaRPr lang="zh-CN" altLang="en-US"/>
           </a:p>
@@ -7276,11 +7276,7 @@
             </a:r>
             <a:r>
               <a:rPr lang="zh-CN" altLang="en-US" dirty="0" smtClean="0"/>
-              <a:t>课程</a:t>
-            </a:r>
-            <a:r>
-              <a:rPr lang="zh-CN" altLang="en-US" dirty="0" smtClean="0"/>
-              <a:t>笔记</a:t>
+              <a:t>课程笔记</a:t>
             </a:r>
             <a:r>
               <a:rPr lang="en-US" altLang="zh-CN" dirty="0" smtClean="0"/>
@@ -7432,8 +7428,8 @@
           </a:p>
         </p:txBody>
       </p:sp>
-      <mc:AlternateContent xmlns:mc="http://schemas.openxmlformats.org/markup-compatibility/2006">
-        <mc:Choice xmlns:a14="http://schemas.microsoft.com/office/drawing/2010/main" Requires="a14">
+      <mc:AlternateContent xmlns:mc="http://schemas.openxmlformats.org/markup-compatibility/2006" xmlns:a14="http://schemas.microsoft.com/office/drawing/2010/main">
+        <mc:Choice Requires="a14">
           <p:sp>
             <p:nvSpPr>
               <p:cNvPr id="3" name="内容占位符 2"/>
@@ -8077,7 +8073,7 @@
             </p:txBody>
           </p:sp>
         </mc:Choice>
-        <mc:Fallback>
+        <mc:Fallback xmlns="">
           <p:sp>
             <p:nvSpPr>
               <p:cNvPr id="3" name="内容占位符 2"/>
@@ -8362,8 +8358,8 @@
           </a:p>
         </p:txBody>
       </p:sp>
-      <mc:AlternateContent xmlns:mc="http://schemas.openxmlformats.org/markup-compatibility/2006">
-        <mc:Choice xmlns:a14="http://schemas.microsoft.com/office/drawing/2010/main" Requires="a14">
+      <mc:AlternateContent xmlns:mc="http://schemas.openxmlformats.org/markup-compatibility/2006" xmlns:a14="http://schemas.microsoft.com/office/drawing/2010/main">
+        <mc:Choice Requires="a14">
           <p:sp>
             <p:nvSpPr>
               <p:cNvPr id="4" name="流程图: 过程 3"/>
@@ -8688,7 +8684,7 @@
             </p:txBody>
           </p:sp>
         </mc:Choice>
-        <mc:Fallback>
+        <mc:Fallback xmlns="">
           <p:sp>
             <p:nvSpPr>
               <p:cNvPr id="4" name="流程图: 过程 3"/>
@@ -8727,8 +8723,8 @@
           </p:sp>
         </mc:Fallback>
       </mc:AlternateContent>
-      <mc:AlternateContent xmlns:mc="http://schemas.openxmlformats.org/markup-compatibility/2006">
-        <mc:Choice xmlns:a14="http://schemas.microsoft.com/office/drawing/2010/main" Requires="a14">
+      <mc:AlternateContent xmlns:mc="http://schemas.openxmlformats.org/markup-compatibility/2006" xmlns:a14="http://schemas.microsoft.com/office/drawing/2010/main">
+        <mc:Choice Requires="a14">
           <p:sp>
             <p:nvSpPr>
               <p:cNvPr id="5" name="流程图: 过程 4"/>
@@ -8898,7 +8894,7 @@
             </p:txBody>
           </p:sp>
         </mc:Choice>
-        <mc:Fallback>
+        <mc:Fallback xmlns="">
           <p:sp>
             <p:nvSpPr>
               <p:cNvPr id="5" name="流程图: 过程 4"/>
@@ -8951,8 +8947,8 @@
             <a:chExt cx="3600450" cy="1927312"/>
           </a:xfrm>
         </p:grpSpPr>
-        <mc:AlternateContent xmlns:mc="http://schemas.openxmlformats.org/markup-compatibility/2006">
-          <mc:Choice xmlns:a14="http://schemas.microsoft.com/office/drawing/2010/main" Requires="a14">
+        <mc:AlternateContent xmlns:mc="http://schemas.openxmlformats.org/markup-compatibility/2006" xmlns:a14="http://schemas.microsoft.com/office/drawing/2010/main">
+          <mc:Choice Requires="a14">
             <p:sp>
               <p:nvSpPr>
                 <p:cNvPr id="7" name="流程图: 过程 6"/>
@@ -9132,7 +9128,7 @@
               </p:txBody>
             </p:sp>
           </mc:Choice>
-          <mc:Fallback>
+          <mc:Fallback xmlns="">
             <p:sp>
               <p:nvSpPr>
                 <p:cNvPr id="7" name="流程图: 过程 6"/>
@@ -9226,8 +9222,8 @@
             <a:chExt cx="2825545" cy="1927312"/>
           </a:xfrm>
         </p:grpSpPr>
-        <mc:AlternateContent xmlns:mc="http://schemas.openxmlformats.org/markup-compatibility/2006">
-          <mc:Choice xmlns:a14="http://schemas.microsoft.com/office/drawing/2010/main" Requires="a14">
+        <mc:AlternateContent xmlns:mc="http://schemas.openxmlformats.org/markup-compatibility/2006" xmlns:a14="http://schemas.microsoft.com/office/drawing/2010/main">
+          <mc:Choice Requires="a14">
             <p:sp>
               <p:nvSpPr>
                 <p:cNvPr id="10" name="流程图: 过程 9"/>
@@ -9437,7 +9433,7 @@
               </p:txBody>
             </p:sp>
           </mc:Choice>
-          <mc:Fallback>
+          <mc:Fallback xmlns="">
             <p:sp>
               <p:nvSpPr>
                 <p:cNvPr id="10" name="流程图: 过程 9"/>
@@ -9531,8 +9527,8 @@
             <a:chExt cx="7194755" cy="1435510"/>
           </a:xfrm>
         </p:grpSpPr>
-        <mc:AlternateContent xmlns:mc="http://schemas.openxmlformats.org/markup-compatibility/2006">
-          <mc:Choice xmlns:a14="http://schemas.microsoft.com/office/drawing/2010/main" Requires="a14">
+        <mc:AlternateContent xmlns:mc="http://schemas.openxmlformats.org/markup-compatibility/2006" xmlns:a14="http://schemas.microsoft.com/office/drawing/2010/main">
+          <mc:Choice Requires="a14">
             <p:sp>
               <p:nvSpPr>
                 <p:cNvPr id="13" name="流程图: 过程 12"/>
@@ -9688,7 +9684,7 @@
               </p:txBody>
             </p:sp>
           </mc:Choice>
-          <mc:Fallback>
+          <mc:Fallback xmlns="">
             <p:sp>
               <p:nvSpPr>
                 <p:cNvPr id="13" name="流程图: 过程 12"/>
@@ -9808,8 +9804,8 @@
           </p:txBody>
         </p:sp>
       </p:grpSp>
-      <mc:AlternateContent xmlns:mc="http://schemas.openxmlformats.org/markup-compatibility/2006">
-        <mc:Choice xmlns:a14="http://schemas.microsoft.com/office/drawing/2010/main" Requires="a14">
+      <mc:AlternateContent xmlns:mc="http://schemas.openxmlformats.org/markup-compatibility/2006" xmlns:a14="http://schemas.microsoft.com/office/drawing/2010/main">
+        <mc:Choice Requires="a14">
           <p:sp>
             <p:nvSpPr>
               <p:cNvPr id="16" name="流程图: 过程 15"/>
@@ -9953,7 +9949,7 @@
             </p:txBody>
           </p:sp>
         </mc:Choice>
-        <mc:Fallback>
+        <mc:Fallback xmlns="">
           <p:sp>
             <p:nvSpPr>
               <p:cNvPr id="16" name="流程图: 过程 15"/>
@@ -11087,7 +11083,7 @@
           <a:graphicData uri="http://schemas.openxmlformats.org/presentationml/2006/ole">
             <mc:AlternateContent xmlns:mc="http://schemas.openxmlformats.org/markup-compatibility/2006">
               <mc:Choice xmlns:v="urn:schemas-microsoft-com:vml" Requires="v">
-                <p:oleObj spid="_x0000_s1126" name="Visio" r:id="rId4" imgW="2407817" imgH="2834671" progId="Visio.Drawing.15">
+                <p:oleObj spid="_x0000_s1128" name="Visio" r:id="rId4" imgW="2407817" imgH="2834671" progId="Visio.Drawing.15">
                   <p:embed/>
                 </p:oleObj>
               </mc:Choice>
@@ -11217,7 +11213,7 @@
           <a:graphicData uri="http://schemas.openxmlformats.org/presentationml/2006/ole">
             <mc:AlternateContent xmlns:mc="http://schemas.openxmlformats.org/markup-compatibility/2006">
               <mc:Choice xmlns:v="urn:schemas-microsoft-com:vml" Requires="v">
-                <p:oleObj spid="_x0000_s1127" name="AxMath" r:id="rId6" imgW="2913989" imgH="236535" progId="Equation.AxMath">
+                <p:oleObj spid="_x0000_s1129" name="AxMath" r:id="rId6" imgW="2913989" imgH="236535" progId="Equation.AxMath">
                   <p:embed/>
                 </p:oleObj>
               </mc:Choice>
@@ -11392,8 +11388,8 @@
           </a:p>
         </p:txBody>
       </p:sp>
-      <mc:AlternateContent xmlns:mc="http://schemas.openxmlformats.org/markup-compatibility/2006">
-        <mc:Choice xmlns:a14="http://schemas.microsoft.com/office/drawing/2010/main" Requires="a14">
+      <mc:AlternateContent xmlns:mc="http://schemas.openxmlformats.org/markup-compatibility/2006" xmlns:a14="http://schemas.microsoft.com/office/drawing/2010/main">
+        <mc:Choice Requires="a14">
           <p:sp>
             <p:nvSpPr>
               <p:cNvPr id="3" name="内容占位符 2"/>
@@ -11530,7 +11526,7 @@
             </p:txBody>
           </p:sp>
         </mc:Choice>
-        <mc:Fallback>
+        <mc:Fallback xmlns="">
           <p:sp>
             <p:nvSpPr>
               <p:cNvPr id="3" name="内容占位符 2"/>
@@ -11586,7 +11582,7 @@
           <a:graphicData uri="http://schemas.openxmlformats.org/presentationml/2006/ole">
             <mc:AlternateContent xmlns:mc="http://schemas.openxmlformats.org/markup-compatibility/2006">
               <mc:Choice xmlns:v="urn:schemas-microsoft-com:vml" Requires="v">
-                <p:oleObj spid="_x0000_s2091" name="AxMath" r:id="rId4" imgW="1315678" imgH="451154" progId="Equation.AxMath">
+                <p:oleObj spid="_x0000_s2092" name="AxMath" r:id="rId4" imgW="1315678" imgH="451154" progId="Equation.AxMath">
                   <p:embed/>
                 </p:oleObj>
               </mc:Choice>
@@ -11691,8 +11687,8 @@
           </a:p>
         </p:txBody>
       </p:sp>
-      <mc:AlternateContent xmlns:mc="http://schemas.openxmlformats.org/markup-compatibility/2006">
-        <mc:Choice xmlns:a14="http://schemas.microsoft.com/office/drawing/2010/main" Requires="a14">
+      <mc:AlternateContent xmlns:mc="http://schemas.openxmlformats.org/markup-compatibility/2006" xmlns:a14="http://schemas.microsoft.com/office/drawing/2010/main">
+        <mc:Choice Requires="a14">
           <p:sp>
             <p:nvSpPr>
               <p:cNvPr id="3" name="内容占位符 2"/>
@@ -12297,7 +12293,7 @@
             </p:txBody>
           </p:sp>
         </mc:Choice>
-        <mc:Fallback>
+        <mc:Fallback xmlns="">
           <p:sp>
             <p:nvSpPr>
               <p:cNvPr id="3" name="内容占位符 2"/>
@@ -18873,7 +18869,7 @@
         <p:spPr/>
         <p:txBody>
           <a:bodyPr>
-            <a:normAutofit lnSpcReduction="10000"/>
+            <a:normAutofit/>
           </a:bodyPr>
           <a:lstStyle/>
           <a:p>
@@ -19858,11 +19854,7 @@
             </a:r>
             <a:r>
               <a:rPr lang="zh-CN" altLang="en-US" dirty="0" smtClean="0"/>
-              <a:t>输入</a:t>
-            </a:r>
-            <a:r>
-              <a:rPr lang="zh-CN" altLang="en-US" dirty="0" smtClean="0"/>
-              <a:t>和模板的</a:t>
+              <a:t>输入和模板的</a:t>
             </a:r>
             <a:r>
               <a:rPr lang="zh-CN" altLang="en-US" dirty="0" smtClean="0">
@@ -20234,18 +20226,14 @@
             </a:r>
             <a:r>
               <a:rPr lang="en-US" altLang="zh-CN" dirty="0" smtClean="0"/>
-              <a:t>: </a:t>
-            </a:r>
-            <a:r>
-              <a:rPr lang="en-US" altLang="zh-CN" dirty="0" smtClean="0"/>
-              <a:t>SVM (margin loss)</a:t>
+              <a:t>: SVM (margin loss)</a:t>
             </a:r>
             <a:endParaRPr lang="zh-CN" altLang="en-US" dirty="0"/>
           </a:p>
         </p:txBody>
       </p:sp>
-      <mc:AlternateContent xmlns:mc="http://schemas.openxmlformats.org/markup-compatibility/2006">
-        <mc:Choice xmlns:a14="http://schemas.microsoft.com/office/drawing/2010/main" Requires="a14">
+      <mc:AlternateContent xmlns:mc="http://schemas.openxmlformats.org/markup-compatibility/2006" xmlns:a14="http://schemas.microsoft.com/office/drawing/2010/main">
+        <mc:Choice Requires="a14">
           <p:sp>
             <p:nvSpPr>
               <p:cNvPr id="5" name="流程图: 过程 4"/>
@@ -20549,7 +20537,7 @@
             </p:txBody>
           </p:sp>
         </mc:Choice>
-        <mc:Fallback>
+        <mc:Fallback xmlns="">
           <p:sp>
             <p:nvSpPr>
               <p:cNvPr id="5" name="流程图: 过程 4"/>
@@ -20588,8 +20576,8 @@
           </p:sp>
         </mc:Fallback>
       </mc:AlternateContent>
-      <mc:AlternateContent xmlns:mc="http://schemas.openxmlformats.org/markup-compatibility/2006">
-        <mc:Choice xmlns:a14="http://schemas.microsoft.com/office/drawing/2010/main" Requires="a14">
+      <mc:AlternateContent xmlns:mc="http://schemas.openxmlformats.org/markup-compatibility/2006" xmlns:a14="http://schemas.microsoft.com/office/drawing/2010/main">
+        <mc:Choice Requires="a14">
           <p:sp>
             <p:nvSpPr>
               <p:cNvPr id="7" name="流程图: 过程 6"/>
@@ -20759,7 +20747,7 @@
             </p:txBody>
           </p:sp>
         </mc:Choice>
-        <mc:Fallback>
+        <mc:Fallback xmlns="">
           <p:sp>
             <p:nvSpPr>
               <p:cNvPr id="7" name="流程图: 过程 6"/>
@@ -20812,8 +20800,8 @@
             <a:chExt cx="3600450" cy="1927312"/>
           </a:xfrm>
         </p:grpSpPr>
-        <mc:AlternateContent xmlns:mc="http://schemas.openxmlformats.org/markup-compatibility/2006">
-          <mc:Choice xmlns:a14="http://schemas.microsoft.com/office/drawing/2010/main" Requires="a14">
+        <mc:AlternateContent xmlns:mc="http://schemas.openxmlformats.org/markup-compatibility/2006" xmlns:a14="http://schemas.microsoft.com/office/drawing/2010/main">
+          <mc:Choice Requires="a14">
             <p:sp>
               <p:nvSpPr>
                 <p:cNvPr id="6" name="流程图: 过程 5"/>
@@ -20997,7 +20985,7 @@
               </p:txBody>
             </p:sp>
           </mc:Choice>
-          <mc:Fallback>
+          <mc:Fallback xmlns="">
             <p:sp>
               <p:nvSpPr>
                 <p:cNvPr id="6" name="流程图: 过程 5"/>
@@ -21091,8 +21079,8 @@
             <a:chExt cx="2825545" cy="1927312"/>
           </a:xfrm>
         </p:grpSpPr>
-        <mc:AlternateContent xmlns:mc="http://schemas.openxmlformats.org/markup-compatibility/2006">
-          <mc:Choice xmlns:a14="http://schemas.microsoft.com/office/drawing/2010/main" Requires="a14">
+        <mc:AlternateContent xmlns:mc="http://schemas.openxmlformats.org/markup-compatibility/2006" xmlns:a14="http://schemas.microsoft.com/office/drawing/2010/main">
+          <mc:Choice Requires="a14">
             <p:sp>
               <p:nvSpPr>
                 <p:cNvPr id="8" name="流程图: 过程 7"/>
@@ -21302,7 +21290,7 @@
               </p:txBody>
             </p:sp>
           </mc:Choice>
-          <mc:Fallback>
+          <mc:Fallback xmlns="">
             <p:sp>
               <p:nvSpPr>
                 <p:cNvPr id="8" name="流程图: 过程 7"/>
@@ -21396,8 +21384,8 @@
             <a:chExt cx="7194755" cy="1927311"/>
           </a:xfrm>
         </p:grpSpPr>
-        <mc:AlternateContent xmlns:mc="http://schemas.openxmlformats.org/markup-compatibility/2006">
-          <mc:Choice xmlns:a14="http://schemas.microsoft.com/office/drawing/2010/main" Requires="a14">
+        <mc:AlternateContent xmlns:mc="http://schemas.openxmlformats.org/markup-compatibility/2006" xmlns:a14="http://schemas.microsoft.com/office/drawing/2010/main">
+          <mc:Choice Requires="a14">
             <p:sp>
               <p:nvSpPr>
                 <p:cNvPr id="9" name="流程图: 过程 8"/>
@@ -21553,7 +21541,7 @@
               </p:txBody>
             </p:sp>
           </mc:Choice>
-          <mc:Fallback>
+          <mc:Fallback xmlns="">
             <p:sp>
               <p:nvSpPr>
                 <p:cNvPr id="9" name="流程图: 过程 8"/>
@@ -22033,8 +22021,8 @@
           </a:p>
         </p:txBody>
       </p:sp>
-      <mc:AlternateContent xmlns:mc="http://schemas.openxmlformats.org/markup-compatibility/2006">
-        <mc:Choice xmlns:a14="http://schemas.microsoft.com/office/drawing/2010/main" Requires="a14">
+      <mc:AlternateContent xmlns:mc="http://schemas.openxmlformats.org/markup-compatibility/2006" xmlns:a14="http://schemas.microsoft.com/office/drawing/2010/main">
+        <mc:Choice Requires="a14">
           <p:sp>
             <p:nvSpPr>
               <p:cNvPr id="3" name="内容占位符 2"/>
@@ -22828,7 +22816,7 @@
             </p:txBody>
           </p:sp>
         </mc:Choice>
-        <mc:Fallback>
+        <mc:Fallback xmlns="">
           <p:sp>
             <p:nvSpPr>
               <p:cNvPr id="3" name="内容占位符 2"/>
@@ -23092,13 +23080,13 @@
     </a:clrScheme>
     <a:fontScheme name="自定义 1">
       <a:majorFont>
-        <a:latin typeface="Droid Serif"/>
-        <a:ea typeface="思源宋体"/>
+        <a:latin typeface="Segoe UI"/>
+        <a:ea typeface="微软雅黑"/>
         <a:cs typeface=""/>
       </a:majorFont>
       <a:minorFont>
-        <a:latin typeface="Roboto"/>
-        <a:ea typeface="思源黑体 Regular"/>
+        <a:latin typeface="Calibri"/>
+        <a:ea typeface="黑体"/>
         <a:cs typeface=""/>
       </a:minorFont>
     </a:fontScheme>
